--- a/_presentations/sol2/CppCon/2018/2018.09.28 - ThePhD - Scripting at the Speed of Thought.pptx
+++ b/_presentations/sol2/CppCon/2018/2018.09.28 - ThePhD - Scripting at the Speed of Thought.pptx
@@ -300,7 +300,7 @@
           <a:p>
             <a:fld id="{6B642687-F68E-4DEE-8304-A89CB0BBA484}" type="datetimeFigureOut">
               <a:rPr lang="en-US" smtClean="0"/>
-              <a:t>10/15/2018</a:t>
+              <a:t>2/13/2023</a:t>
             </a:fld>
             <a:endParaRPr lang="en-US"/>
           </a:p>
@@ -1097,7 +1097,7 @@
             <a:fld id="{B61BEF0D-F0BB-DE4B-95CE-6DB70DBA9567}" type="datetimeFigureOut">
               <a:rPr lang="en-US" smtClean="0"/>
               <a:pPr/>
-              <a:t>10/15/2018</a:t>
+              <a:t>2/13/2023</a:t>
             </a:fld>
             <a:endParaRPr lang="en-US" dirty="0"/>
           </a:p>
@@ -1518,7 +1518,7 @@
             <a:fld id="{B61BEF0D-F0BB-DE4B-95CE-6DB70DBA9567}" type="datetimeFigureOut">
               <a:rPr lang="en-US" smtClean="0"/>
               <a:pPr/>
-              <a:t>10/15/2018</a:t>
+              <a:t>2/13/2023</a:t>
             </a:fld>
             <a:endParaRPr lang="en-US" dirty="0"/>
           </a:p>
@@ -1856,7 +1856,7 @@
             <a:fld id="{B61BEF0D-F0BB-DE4B-95CE-6DB70DBA9567}" type="datetimeFigureOut">
               <a:rPr lang="en-US" smtClean="0"/>
               <a:pPr/>
-              <a:t>10/15/2018</a:t>
+              <a:t>2/13/2023</a:t>
             </a:fld>
             <a:endParaRPr lang="en-US" dirty="0"/>
           </a:p>
@@ -2263,7 +2263,7 @@
             <a:fld id="{B61BEF0D-F0BB-DE4B-95CE-6DB70DBA9567}" type="datetimeFigureOut">
               <a:rPr lang="en-US" smtClean="0"/>
               <a:pPr/>
-              <a:t>10/15/2018</a:t>
+              <a:t>2/13/2023</a:t>
             </a:fld>
             <a:endParaRPr lang="en-US" dirty="0"/>
           </a:p>
@@ -2833,7 +2833,7 @@
             <a:fld id="{B61BEF0D-F0BB-DE4B-95CE-6DB70DBA9567}" type="datetimeFigureOut">
               <a:rPr lang="en-US" smtClean="0"/>
               <a:pPr/>
-              <a:t>10/15/2018</a:t>
+              <a:t>2/13/2023</a:t>
             </a:fld>
             <a:endParaRPr lang="en-US" dirty="0"/>
           </a:p>
@@ -3516,7 +3516,7 @@
             <a:fld id="{B61BEF0D-F0BB-DE4B-95CE-6DB70DBA9567}" type="datetimeFigureOut">
               <a:rPr lang="en-US" smtClean="0"/>
               <a:pPr/>
-              <a:t>10/15/2018</a:t>
+              <a:t>2/13/2023</a:t>
             </a:fld>
             <a:endParaRPr lang="en-US" dirty="0"/>
           </a:p>
@@ -4431,7 +4431,7 @@
             <a:fld id="{B61BEF0D-F0BB-DE4B-95CE-6DB70DBA9567}" type="datetimeFigureOut">
               <a:rPr lang="en-US" smtClean="0"/>
               <a:pPr/>
-              <a:t>10/15/2018</a:t>
+              <a:t>2/13/2023</a:t>
             </a:fld>
             <a:endParaRPr lang="en-US" dirty="0"/>
           </a:p>
@@ -4746,7 +4746,7 @@
             <a:fld id="{B61BEF0D-F0BB-DE4B-95CE-6DB70DBA9567}" type="datetimeFigureOut">
               <a:rPr lang="en-US" smtClean="0"/>
               <a:pPr/>
-              <a:t>10/15/2018</a:t>
+              <a:t>2/13/2023</a:t>
             </a:fld>
             <a:endParaRPr lang="en-US" dirty="0"/>
           </a:p>
@@ -5012,7 +5012,7 @@
             <a:fld id="{B61BEF0D-F0BB-DE4B-95CE-6DB70DBA9567}" type="datetimeFigureOut">
               <a:rPr lang="en-US" smtClean="0"/>
               <a:pPr/>
-              <a:t>10/15/2018</a:t>
+              <a:t>2/13/2023</a:t>
             </a:fld>
             <a:endParaRPr lang="en-US" dirty="0"/>
           </a:p>
@@ -5355,7 +5355,7 @@
             <a:fld id="{B61BEF0D-F0BB-DE4B-95CE-6DB70DBA9567}" type="datetimeFigureOut">
               <a:rPr lang="en-US" smtClean="0"/>
               <a:pPr/>
-              <a:t>10/15/2018</a:t>
+              <a:t>2/13/2023</a:t>
             </a:fld>
             <a:endParaRPr lang="en-US" dirty="0"/>
           </a:p>
@@ -5746,7 +5746,7 @@
             <a:fld id="{B61BEF0D-F0BB-DE4B-95CE-6DB70DBA9567}" type="datetimeFigureOut">
               <a:rPr lang="en-US" smtClean="0"/>
               <a:pPr/>
-              <a:t>10/15/2018</a:t>
+              <a:t>2/13/2023</a:t>
             </a:fld>
             <a:endParaRPr lang="en-US" dirty="0"/>
           </a:p>
@@ -6124,7 +6124,7 @@
             <a:fld id="{B61BEF0D-F0BB-DE4B-95CE-6DB70DBA9567}" type="datetimeFigureOut">
               <a:rPr lang="en-US" smtClean="0"/>
               <a:pPr/>
-              <a:t>10/15/2018</a:t>
+              <a:t>2/13/2023</a:t>
             </a:fld>
             <a:endParaRPr lang="en-US" dirty="0"/>
           </a:p>
@@ -6637,7 +6637,7 @@
             <a:fld id="{B61BEF0D-F0BB-DE4B-95CE-6DB70DBA9567}" type="datetimeFigureOut">
               <a:rPr lang="en-US" smtClean="0"/>
               <a:pPr/>
-              <a:t>10/15/2018</a:t>
+              <a:t>2/13/2023</a:t>
             </a:fld>
             <a:endParaRPr lang="en-US" dirty="0"/>
           </a:p>
@@ -6901,7 +6901,7 @@
             <a:fld id="{B61BEF0D-F0BB-DE4B-95CE-6DB70DBA9567}" type="datetimeFigureOut">
               <a:rPr lang="en-US" smtClean="0"/>
               <a:pPr/>
-              <a:t>10/15/2018</a:t>
+              <a:t>2/13/2023</a:t>
             </a:fld>
             <a:endParaRPr lang="en-US" dirty="0"/>
           </a:p>
@@ -7066,7 +7066,7 @@
             <a:fld id="{B61BEF0D-F0BB-DE4B-95CE-6DB70DBA9567}" type="datetimeFigureOut">
               <a:rPr lang="en-US" smtClean="0"/>
               <a:pPr/>
-              <a:t>10/15/2018</a:t>
+              <a:t>2/13/2023</a:t>
             </a:fld>
             <a:endParaRPr lang="en-US" dirty="0"/>
           </a:p>
@@ -7463,7 +7463,7 @@
             <a:fld id="{B61BEF0D-F0BB-DE4B-95CE-6DB70DBA9567}" type="datetimeFigureOut">
               <a:rPr lang="en-US" smtClean="0"/>
               <a:pPr/>
-              <a:t>10/15/2018</a:t>
+              <a:t>2/13/2023</a:t>
             </a:fld>
             <a:endParaRPr lang="en-US" dirty="0"/>
           </a:p>
@@ -7879,7 +7879,7 @@
             <a:fld id="{B61BEF0D-F0BB-DE4B-95CE-6DB70DBA9567}" type="datetimeFigureOut">
               <a:rPr lang="en-US" smtClean="0"/>
               <a:pPr/>
-              <a:t>10/15/2018</a:t>
+              <a:t>2/13/2023</a:t>
             </a:fld>
             <a:endParaRPr lang="en-US" dirty="0"/>
           </a:p>
@@ -8125,7 +8125,7 @@
             <a:fld id="{B61BEF0D-F0BB-DE4B-95CE-6DB70DBA9567}" type="datetimeFigureOut">
               <a:rPr lang="en-US" smtClean="0"/>
               <a:pPr/>
-              <a:t>10/15/2018</a:t>
+              <a:t>2/13/2023</a:t>
             </a:fld>
             <a:endParaRPr lang="en-US" dirty="0"/>
           </a:p>
@@ -15842,25 +15842,7 @@
                   </a:extLst>
                 </a:hlinkClick>
               </a:rPr>
-              <a:t>@</a:t>
-            </a:r>
-            <a:r>
-              <a:rPr lang="en-US" dirty="0" err="1">
-                <a:solidFill>
-                  <a:schemeClr val="accent4">
-                    <a:lumMod val="20000"/>
-                    <a:lumOff val="80000"/>
-                  </a:schemeClr>
-                </a:solidFill>
-                <a:hlinkClick r:id="rId7">
-                  <a:extLst>
-                    <a:ext uri="{A12FA001-AC4F-418D-AE19-62706E023703}">
-                      <ahyp:hlinkClr xmlns:ahyp="http://schemas.microsoft.com/office/drawing/2018/hyperlinkcolor" val="tx"/>
-                    </a:ext>
-                  </a:extLst>
-                </a:hlinkClick>
-              </a:rPr>
-              <a:t>thephantomderp</a:t>
+              <a:t>@__phantomderp</a:t>
             </a:r>
             <a:r>
               <a:rPr lang="en-US" dirty="0">
